--- a/07pat/ECDLgraph.pptx
+++ b/07pat/ECDLgraph.pptx
@@ -304,7 +304,7 @@
             <a:fld id="{1BDDF4DD-0E82-4106-AFA8-2EE49E3500D8}" type="datetimeFigureOut">
               <a:rPr lang="en-GB" smtClean="0"/>
               <a:pPr/>
-              <a:t>06/03/2016</a:t>
+              <a:t>10/12/2016</a:t>
             </a:fld>
             <a:endParaRPr lang="en-GB"/>
           </a:p>
@@ -397,14 +397,14 @@
           <p:nvPr userDrawn="1"/>
         </p:nvPicPr>
         <p:blipFill rotWithShape="1">
-          <a:blip r:embed="rId2" cstate="print">
+          <a:blip r:embed="rId2" cstate="email">
             <a:extLst>
               <a:ext uri="{28A0092B-C50C-407E-A947-70E740481C1C}">
-                <a14:useLocalDpi xmlns:a14="http://schemas.microsoft.com/office/drawing/2010/main" xmlns="" val="0"/>
+                <a14:useLocalDpi xmlns="" xmlns:a14="http://schemas.microsoft.com/office/drawing/2010/main" val="0"/>
               </a:ext>
             </a:extLst>
           </a:blip>
-          <a:srcRect l="5223" r="8062"/>
+          <a:srcRect/>
           <a:stretch/>
         </p:blipFill>
         <p:spPr bwMode="auto">
@@ -418,7 +418,7 @@
           <a:noFill/>
           <a:extLst>
             <a:ext uri="{909E8E84-426E-40DD-AFC4-6F175D3DCCD1}">
-              <a14:hiddenFill xmlns:a14="http://schemas.microsoft.com/office/drawing/2010/main" xmlns="">
+              <a14:hiddenFill xmlns="" xmlns:a14="http://schemas.microsoft.com/office/drawing/2010/main">
                 <a:solidFill>
                   <a:srgbClr val="FFFFFF"/>
                 </a:solidFill>
@@ -545,7 +545,7 @@
             <a:fld id="{1BDDF4DD-0E82-4106-AFA8-2EE49E3500D8}" type="datetimeFigureOut">
               <a:rPr lang="en-GB" smtClean="0"/>
               <a:pPr/>
-              <a:t>06/03/2016</a:t>
+              <a:t>10/12/2016</a:t>
             </a:fld>
             <a:endParaRPr lang="en-GB"/>
           </a:p>
@@ -722,7 +722,7 @@
             <a:fld id="{1BDDF4DD-0E82-4106-AFA8-2EE49E3500D8}" type="datetimeFigureOut">
               <a:rPr lang="en-GB" smtClean="0"/>
               <a:pPr/>
-              <a:t>06/03/2016</a:t>
+              <a:t>10/12/2016</a:t>
             </a:fld>
             <a:endParaRPr lang="en-GB"/>
           </a:p>
@@ -903,7 +903,7 @@
             <a:fld id="{1BDDF4DD-0E82-4106-AFA8-2EE49E3500D8}" type="datetimeFigureOut">
               <a:rPr lang="en-GB" smtClean="0"/>
               <a:pPr/>
-              <a:t>06/03/2016</a:t>
+              <a:t>10/12/2016</a:t>
             </a:fld>
             <a:endParaRPr lang="en-GB"/>
           </a:p>
@@ -961,14 +961,14 @@
           <p:nvPr userDrawn="1"/>
         </p:nvPicPr>
         <p:blipFill rotWithShape="1">
-          <a:blip r:embed="rId2" cstate="print">
+          <a:blip r:embed="rId2" cstate="email">
             <a:extLst>
               <a:ext uri="{28A0092B-C50C-407E-A947-70E740481C1C}">
-                <a14:useLocalDpi xmlns:a14="http://schemas.microsoft.com/office/drawing/2010/main" xmlns="" val="0"/>
+                <a14:useLocalDpi xmlns="" xmlns:a14="http://schemas.microsoft.com/office/drawing/2010/main" val="0"/>
               </a:ext>
             </a:extLst>
           </a:blip>
-          <a:srcRect l="5223" r="8062"/>
+          <a:srcRect/>
           <a:stretch/>
         </p:blipFill>
         <p:spPr bwMode="auto">
@@ -982,7 +982,7 @@
           <a:noFill/>
           <a:extLst>
             <a:ext uri="{909E8E84-426E-40DD-AFC4-6F175D3DCCD1}">
-              <a14:hiddenFill xmlns:a14="http://schemas.microsoft.com/office/drawing/2010/main" xmlns="">
+              <a14:hiddenFill xmlns="" xmlns:a14="http://schemas.microsoft.com/office/drawing/2010/main">
                 <a:solidFill>
                   <a:srgbClr val="FFFFFF"/>
                 </a:solidFill>
@@ -1192,7 +1192,7 @@
             <a:fld id="{1BDDF4DD-0E82-4106-AFA8-2EE49E3500D8}" type="datetimeFigureOut">
               <a:rPr lang="en-GB" smtClean="0"/>
               <a:pPr/>
-              <a:t>06/03/2016</a:t>
+              <a:t>10/12/2016</a:t>
             </a:fld>
             <a:endParaRPr lang="en-GB"/>
           </a:p>
@@ -1512,7 +1512,7 @@
             <a:fld id="{1BDDF4DD-0E82-4106-AFA8-2EE49E3500D8}" type="datetimeFigureOut">
               <a:rPr lang="en-GB" smtClean="0"/>
               <a:pPr/>
-              <a:t>06/03/2016</a:t>
+              <a:t>10/12/2016</a:t>
             </a:fld>
             <a:endParaRPr lang="en-GB"/>
           </a:p>
@@ -1980,7 +1980,7 @@
             <a:fld id="{1BDDF4DD-0E82-4106-AFA8-2EE49E3500D8}" type="datetimeFigureOut">
               <a:rPr lang="en-GB" smtClean="0"/>
               <a:pPr/>
-              <a:t>06/03/2016</a:t>
+              <a:t>10/12/2016</a:t>
             </a:fld>
             <a:endParaRPr lang="en-GB"/>
           </a:p>
@@ -2130,7 +2130,7 @@
             <a:fld id="{1BDDF4DD-0E82-4106-AFA8-2EE49E3500D8}" type="datetimeFigureOut">
               <a:rPr lang="en-GB" smtClean="0"/>
               <a:pPr/>
-              <a:t>06/03/2016</a:t>
+              <a:t>10/12/2016</a:t>
             </a:fld>
             <a:endParaRPr lang="en-GB"/>
           </a:p>
@@ -2222,7 +2222,7 @@
             <a:fld id="{1BDDF4DD-0E82-4106-AFA8-2EE49E3500D8}" type="datetimeFigureOut">
               <a:rPr lang="en-GB" smtClean="0"/>
               <a:pPr/>
-              <a:t>06/03/2016</a:t>
+              <a:t>10/12/2016</a:t>
             </a:fld>
             <a:endParaRPr lang="en-GB"/>
           </a:p>
@@ -2498,7 +2498,7 @@
             <a:fld id="{1BDDF4DD-0E82-4106-AFA8-2EE49E3500D8}" type="datetimeFigureOut">
               <a:rPr lang="en-GB" smtClean="0"/>
               <a:pPr/>
-              <a:t>06/03/2016</a:t>
+              <a:t>10/12/2016</a:t>
             </a:fld>
             <a:endParaRPr lang="en-GB"/>
           </a:p>
@@ -2805,7 +2805,7 @@
             <a:fld id="{1BDDF4DD-0E82-4106-AFA8-2EE49E3500D8}" type="datetimeFigureOut">
               <a:rPr lang="en-GB" smtClean="0"/>
               <a:pPr/>
-              <a:t>06/03/2016</a:t>
+              <a:t>10/12/2016</a:t>
             </a:fld>
             <a:endParaRPr lang="en-GB"/>
           </a:p>
@@ -3105,7 +3105,7 @@
             <a:fld id="{1BDDF4DD-0E82-4106-AFA8-2EE49E3500D8}" type="datetimeFigureOut">
               <a:rPr lang="en-GB" smtClean="0"/>
               <a:pPr/>
-              <a:t>06/03/2016</a:t>
+              <a:t>10/12/2016</a:t>
             </a:fld>
             <a:endParaRPr lang="en-GB"/>
           </a:p>
@@ -3552,7 +3552,7 @@
     </p:spTree>
     <p:extLst>
       <p:ext uri="{BB962C8B-B14F-4D97-AF65-F5344CB8AC3E}">
-        <p14:creationId xmlns:p14="http://schemas.microsoft.com/office/powerpoint/2010/main" xmlns="" val="4082318503"/>
+        <p14:creationId xmlns="" xmlns:p14="http://schemas.microsoft.com/office/powerpoint/2010/main" val="4082318503"/>
       </p:ext>
     </p:extLst>
   </p:cSld>
@@ -3708,10 +3708,10 @@
           <p:nvPr/>
         </p:nvPicPr>
         <p:blipFill>
-          <a:blip r:embed="rId2" cstate="print">
+          <a:blip r:embed="rId2" cstate="email">
             <a:extLst>
               <a:ext uri="{28A0092B-C50C-407E-A947-70E740481C1C}">
-                <a14:useLocalDpi xmlns:a14="http://schemas.microsoft.com/office/drawing/2010/main" xmlns="" val="0"/>
+                <a14:useLocalDpi xmlns="" xmlns:a14="http://schemas.microsoft.com/office/drawing/2010/main" val="0"/>
               </a:ext>
             </a:extLst>
           </a:blip>
@@ -3731,7 +3731,7 @@
           <a:noFill/>
           <a:extLst>
             <a:ext uri="{909E8E84-426E-40DD-AFC4-6F175D3DCCD1}">
-              <a14:hiddenFill xmlns:a14="http://schemas.microsoft.com/office/drawing/2010/main" xmlns="">
+              <a14:hiddenFill xmlns="" xmlns:a14="http://schemas.microsoft.com/office/drawing/2010/main">
                 <a:solidFill>
                   <a:srgbClr val="FFFFFF"/>
                 </a:solidFill>
@@ -3743,7 +3743,7 @@
     </p:spTree>
     <p:extLst>
       <p:ext uri="{BB962C8B-B14F-4D97-AF65-F5344CB8AC3E}">
-        <p14:creationId xmlns:p14="http://schemas.microsoft.com/office/powerpoint/2010/main" xmlns="" val="1616724772"/>
+        <p14:creationId xmlns="" xmlns:p14="http://schemas.microsoft.com/office/powerpoint/2010/main" val="1616724772"/>
       </p:ext>
     </p:extLst>
   </p:cSld>
@@ -4720,10 +4720,10 @@
           <p:nvPr/>
         </p:nvPicPr>
         <p:blipFill>
-          <a:blip r:embed="rId3" cstate="print">
+          <a:blip r:embed="rId3" cstate="email">
             <a:extLst>
               <a:ext uri="{28A0092B-C50C-407E-A947-70E740481C1C}">
-                <a14:useLocalDpi xmlns:a14="http://schemas.microsoft.com/office/drawing/2010/main" xmlns="" val="0"/>
+                <a14:useLocalDpi xmlns="" xmlns:a14="http://schemas.microsoft.com/office/drawing/2010/main" val="0"/>
               </a:ext>
             </a:extLst>
           </a:blip>
@@ -4743,7 +4743,7 @@
           <a:noFill/>
           <a:extLst>
             <a:ext uri="{909E8E84-426E-40DD-AFC4-6F175D3DCCD1}">
-              <a14:hiddenFill xmlns:a14="http://schemas.microsoft.com/office/drawing/2010/main" xmlns="">
+              <a14:hiddenFill xmlns="" xmlns:a14="http://schemas.microsoft.com/office/drawing/2010/main">
                 <a:solidFill>
                   <a:srgbClr val="FFFFFF"/>
                 </a:solidFill>
@@ -4755,7 +4755,7 @@
     </p:spTree>
     <p:extLst>
       <p:ext uri="{BB962C8B-B14F-4D97-AF65-F5344CB8AC3E}">
-        <p14:creationId xmlns:p14="http://schemas.microsoft.com/office/powerpoint/2010/main" xmlns="" val="970620059"/>
+        <p14:creationId xmlns="" xmlns:p14="http://schemas.microsoft.com/office/powerpoint/2010/main" val="970620059"/>
       </p:ext>
     </p:extLst>
   </p:cSld>
@@ -4971,10 +4971,10 @@
           <p:nvPr/>
         </p:nvPicPr>
         <p:blipFill>
-          <a:blip r:embed="rId2" cstate="print">
+          <a:blip r:embed="rId2" cstate="email">
             <a:extLst>
               <a:ext uri="{28A0092B-C50C-407E-A947-70E740481C1C}">
-                <a14:useLocalDpi xmlns:a14="http://schemas.microsoft.com/office/drawing/2010/main" xmlns="" val="0"/>
+                <a14:useLocalDpi xmlns="" xmlns:a14="http://schemas.microsoft.com/office/drawing/2010/main" val="0"/>
               </a:ext>
             </a:extLst>
           </a:blip>
@@ -4994,7 +4994,7 @@
           <a:noFill/>
           <a:extLst>
             <a:ext uri="{909E8E84-426E-40DD-AFC4-6F175D3DCCD1}">
-              <a14:hiddenFill xmlns:a14="http://schemas.microsoft.com/office/drawing/2010/main" xmlns="">
+              <a14:hiddenFill xmlns="" xmlns:a14="http://schemas.microsoft.com/office/drawing/2010/main">
                 <a:solidFill>
                   <a:srgbClr val="FFFFFF"/>
                 </a:solidFill>
@@ -5012,7 +5012,7 @@
           <p:nvPr>
             <p:extLst>
               <p:ext uri="{D42A27DB-BD31-4B8C-83A1-F6EECF244321}">
-                <p14:modId xmlns:p14="http://schemas.microsoft.com/office/powerpoint/2010/main" xmlns="" val="1880592620"/>
+                <p14:modId xmlns="" xmlns:p14="http://schemas.microsoft.com/office/powerpoint/2010/main" val="1880592620"/>
               </p:ext>
             </p:extLst>
           </p:nvPr>
@@ -5248,7 +5248,7 @@
     </p:spTree>
     <p:extLst>
       <p:ext uri="{BB962C8B-B14F-4D97-AF65-F5344CB8AC3E}">
-        <p14:creationId xmlns:p14="http://schemas.microsoft.com/office/powerpoint/2010/main" xmlns="" val="4198358110"/>
+        <p14:creationId xmlns="" xmlns:p14="http://schemas.microsoft.com/office/powerpoint/2010/main" val="4198358110"/>
       </p:ext>
     </p:extLst>
   </p:cSld>
@@ -5377,10 +5377,10 @@
           <p:nvPr/>
         </p:nvPicPr>
         <p:blipFill>
-          <a:blip r:embed="rId2" cstate="print">
+          <a:blip r:embed="rId2" cstate="email">
             <a:extLst>
               <a:ext uri="{28A0092B-C50C-407E-A947-70E740481C1C}">
-                <a14:useLocalDpi xmlns:a14="http://schemas.microsoft.com/office/drawing/2010/main" xmlns="" val="0"/>
+                <a14:useLocalDpi xmlns="" xmlns:a14="http://schemas.microsoft.com/office/drawing/2010/main" val="0"/>
               </a:ext>
             </a:extLst>
           </a:blip>
@@ -5400,7 +5400,7 @@
           <a:noFill/>
           <a:extLst>
             <a:ext uri="{909E8E84-426E-40DD-AFC4-6F175D3DCCD1}">
-              <a14:hiddenFill xmlns:a14="http://schemas.microsoft.com/office/drawing/2010/main" xmlns="">
+              <a14:hiddenFill xmlns="" xmlns:a14="http://schemas.microsoft.com/office/drawing/2010/main">
                 <a:solidFill>
                   <a:srgbClr val="FFFFFF"/>
                 </a:solidFill>
@@ -5412,7 +5412,7 @@
     </p:spTree>
     <p:extLst>
       <p:ext uri="{BB962C8B-B14F-4D97-AF65-F5344CB8AC3E}">
-        <p14:creationId xmlns:p14="http://schemas.microsoft.com/office/powerpoint/2010/main" xmlns="" val="588990593"/>
+        <p14:creationId xmlns="" xmlns:p14="http://schemas.microsoft.com/office/powerpoint/2010/main" val="588990593"/>
       </p:ext>
     </p:extLst>
   </p:cSld>
@@ -5571,10 +5571,10 @@
           <p:nvPr/>
         </p:nvPicPr>
         <p:blipFill>
-          <a:blip r:embed="rId2" cstate="print">
+          <a:blip r:embed="rId2" cstate="email">
             <a:extLst>
               <a:ext uri="{28A0092B-C50C-407E-A947-70E740481C1C}">
-                <a14:useLocalDpi xmlns:a14="http://schemas.microsoft.com/office/drawing/2010/main" xmlns="" val="0"/>
+                <a14:useLocalDpi xmlns="" xmlns:a14="http://schemas.microsoft.com/office/drawing/2010/main" val="0"/>
               </a:ext>
             </a:extLst>
           </a:blip>
@@ -5594,7 +5594,7 @@
           <a:noFill/>
           <a:extLst>
             <a:ext uri="{909E8E84-426E-40DD-AFC4-6F175D3DCCD1}">
-              <a14:hiddenFill xmlns:a14="http://schemas.microsoft.com/office/drawing/2010/main" xmlns="">
+              <a14:hiddenFill xmlns="" xmlns:a14="http://schemas.microsoft.com/office/drawing/2010/main">
                 <a:solidFill>
                   <a:srgbClr val="FFFFFF"/>
                 </a:solidFill>
@@ -5606,7 +5606,7 @@
     </p:spTree>
     <p:extLst>
       <p:ext uri="{BB962C8B-B14F-4D97-AF65-F5344CB8AC3E}">
-        <p14:creationId xmlns:p14="http://schemas.microsoft.com/office/powerpoint/2010/main" xmlns="" val="3258433848"/>
+        <p14:creationId xmlns="" xmlns:p14="http://schemas.microsoft.com/office/powerpoint/2010/main" val="3258433848"/>
       </p:ext>
     </p:extLst>
   </p:cSld>
@@ -5757,10 +5757,10 @@
           <p:nvPr/>
         </p:nvPicPr>
         <p:blipFill rotWithShape="1">
-          <a:blip r:embed="rId2" cstate="print">
+          <a:blip r:embed="rId2" cstate="email">
             <a:extLst>
               <a:ext uri="{BEBA8EAE-BF5A-486C-A8C5-ECC9F3942E4B}">
-                <a14:imgProps xmlns:a14="http://schemas.microsoft.com/office/drawing/2010/main" xmlns="">
+                <a14:imgProps xmlns="" xmlns:a14="http://schemas.microsoft.com/office/drawing/2010/main">
                   <a14:imgLayer r:embed="rId3">
                     <a14:imgEffect>
                       <a14:backgroundRemoval t="0" b="100000" l="0" r="92662">
@@ -5776,11 +5776,11 @@
                 </a14:imgProps>
               </a:ext>
               <a:ext uri="{28A0092B-C50C-407E-A947-70E740481C1C}">
-                <a14:useLocalDpi xmlns:a14="http://schemas.microsoft.com/office/drawing/2010/main" xmlns="" val="0"/>
+                <a14:useLocalDpi xmlns="" xmlns:a14="http://schemas.microsoft.com/office/drawing/2010/main" val="0"/>
               </a:ext>
             </a:extLst>
           </a:blip>
-          <a:srcRect r="7320"/>
+          <a:srcRect/>
           <a:stretch/>
         </p:blipFill>
         <p:spPr bwMode="auto">
@@ -5794,7 +5794,7 @@
           <a:noFill/>
           <a:extLst>
             <a:ext uri="{909E8E84-426E-40DD-AFC4-6F175D3DCCD1}">
-              <a14:hiddenFill xmlns:a14="http://schemas.microsoft.com/office/drawing/2010/main" xmlns="">
+              <a14:hiddenFill xmlns="" xmlns:a14="http://schemas.microsoft.com/office/drawing/2010/main">
                 <a:solidFill>
                   <a:srgbClr val="FFFFFF"/>
                 </a:solidFill>
@@ -5806,7 +5806,7 @@
     </p:spTree>
     <p:extLst>
       <p:ext uri="{BB962C8B-B14F-4D97-AF65-F5344CB8AC3E}">
-        <p14:creationId xmlns:p14="http://schemas.microsoft.com/office/powerpoint/2010/main" xmlns="" val="544654409"/>
+        <p14:creationId xmlns="" xmlns:p14="http://schemas.microsoft.com/office/powerpoint/2010/main" val="544654409"/>
       </p:ext>
     </p:extLst>
   </p:cSld>
